--- a/presentations/2015-04-HIMSS/HIMSS FHIR Summary Presentation.pptx
+++ b/presentations/2015-04-HIMSS/HIMSS FHIR Summary Presentation.pptx
@@ -122,22 +122,6 @@
       </a:defRPr>
     </a:lvl9pPr>
   </p:defaultTextStyle>
-  <p:extLst>
-    <p:ext uri="{EFAFB233-063F-42B5-8137-9DF3F51BA10A}">
-      <p15:sldGuideLst xmlns:p15="http://schemas.microsoft.com/office/powerpoint/2012/main">
-        <p15:guide id="1" orient="horz" pos="2160">
-          <p15:clr>
-            <a:srgbClr val="A4A3A4"/>
-          </p15:clr>
-        </p15:guide>
-        <p15:guide id="2" pos="2880">
-          <p15:clr>
-            <a:srgbClr val="A4A3A4"/>
-          </p15:clr>
-        </p15:guide>
-      </p15:sldGuideLst>
-    </p:ext>
-  </p:extLst>
 </p:presentation>
 </file>
 
@@ -223,7 +207,7 @@
           <a:p>
             <a:fld id="{4B698497-09D6-4C66-B50D-BF0003F049DD}" type="datetimeFigureOut">
               <a:rPr lang="en-AU" smtClean="0"/>
-              <a:t>1/03/2016</a:t>
+              <a:t>13/04/2015</a:t>
             </a:fld>
             <a:endParaRPr lang="en-AU"/>
           </a:p>
@@ -287,35 +271,35 @@
           <a:p>
             <a:pPr lvl="0"/>
             <a:r>
-              <a:rPr lang="en-US"/>
+              <a:rPr lang="en-US" smtClean="0"/>
               <a:t>Click to edit Master text styles</a:t>
             </a:r>
           </a:p>
           <a:p>
             <a:pPr lvl="1"/>
             <a:r>
-              <a:rPr lang="en-US"/>
+              <a:rPr lang="en-US" smtClean="0"/>
               <a:t>Second level</a:t>
             </a:r>
           </a:p>
           <a:p>
             <a:pPr lvl="2"/>
             <a:r>
-              <a:rPr lang="en-US"/>
+              <a:rPr lang="en-US" smtClean="0"/>
               <a:t>Third level</a:t>
             </a:r>
           </a:p>
           <a:p>
             <a:pPr lvl="3"/>
             <a:r>
-              <a:rPr lang="en-US"/>
+              <a:rPr lang="en-US" smtClean="0"/>
               <a:t>Fourth level</a:t>
             </a:r>
           </a:p>
           <a:p>
             <a:pPr lvl="4"/>
             <a:r>
-              <a:rPr lang="en-US"/>
+              <a:rPr lang="en-US" smtClean="0"/>
               <a:t>Fifth level</a:t>
             </a:r>
             <a:endParaRPr lang="en-AU"/>
@@ -536,11 +520,11 @@
           <a:lstStyle/>
           <a:p>
             <a:r>
-              <a:rPr lang="en-AU" dirty="0"/>
+              <a:rPr lang="en-AU" dirty="0" smtClean="0"/>
               <a:t>Introduction</a:t>
             </a:r>
             <a:r>
-              <a:rPr lang="en-AU" baseline="0" dirty="0"/>
+              <a:rPr lang="en-AU" baseline="0" dirty="0" smtClean="0"/>
               <a:t> to FHIR</a:t>
             </a:r>
           </a:p>
@@ -623,7 +607,7 @@
           <a:lstStyle/>
           <a:p>
             <a:r>
-              <a:rPr lang="en-US"/>
+              <a:rPr lang="en-US" smtClean="0"/>
               <a:t>Click to edit Master title style</a:t>
             </a:r>
             <a:endParaRPr lang="en-AU"/>
@@ -742,7 +726,7 @@
           </a:lstStyle>
           <a:p>
             <a:r>
-              <a:rPr lang="en-US"/>
+              <a:rPr lang="en-US" smtClean="0"/>
               <a:t>Click to edit Master subtitle style</a:t>
             </a:r>
             <a:endParaRPr lang="en-AU"/>
@@ -766,7 +750,7 @@
           <a:p>
             <a:fld id="{C4D90668-E255-4E24-A4A2-0DCD477DB9D2}" type="datetimeFigureOut">
               <a:rPr lang="en-AU" smtClean="0"/>
-              <a:t>1/03/2016</a:t>
+              <a:t>14/04/2015</a:t>
             </a:fld>
             <a:endParaRPr lang="en-AU"/>
           </a:p>
@@ -860,7 +844,7 @@
           <a:lstStyle/>
           <a:p>
             <a:r>
-              <a:rPr lang="en-US"/>
+              <a:rPr lang="en-US" smtClean="0"/>
               <a:t>Click to edit Master title style</a:t>
             </a:r>
             <a:endParaRPr lang="en-AU"/>
@@ -884,35 +868,35 @@
           <a:p>
             <a:pPr lvl="0"/>
             <a:r>
-              <a:rPr lang="en-US"/>
+              <a:rPr lang="en-US" smtClean="0"/>
               <a:t>Click to edit Master text styles</a:t>
             </a:r>
           </a:p>
           <a:p>
             <a:pPr lvl="1"/>
             <a:r>
-              <a:rPr lang="en-US"/>
+              <a:rPr lang="en-US" smtClean="0"/>
               <a:t>Second level</a:t>
             </a:r>
           </a:p>
           <a:p>
             <a:pPr lvl="2"/>
             <a:r>
-              <a:rPr lang="en-US"/>
+              <a:rPr lang="en-US" smtClean="0"/>
               <a:t>Third level</a:t>
             </a:r>
           </a:p>
           <a:p>
             <a:pPr lvl="3"/>
             <a:r>
-              <a:rPr lang="en-US"/>
+              <a:rPr lang="en-US" smtClean="0"/>
               <a:t>Fourth level</a:t>
             </a:r>
           </a:p>
           <a:p>
             <a:pPr lvl="4"/>
             <a:r>
-              <a:rPr lang="en-US"/>
+              <a:rPr lang="en-US" smtClean="0"/>
               <a:t>Fifth level</a:t>
             </a:r>
             <a:endParaRPr lang="en-AU"/>
@@ -936,7 +920,7 @@
           <a:p>
             <a:fld id="{C4D90668-E255-4E24-A4A2-0DCD477DB9D2}" type="datetimeFigureOut">
               <a:rPr lang="en-AU" smtClean="0"/>
-              <a:t>1/03/2016</a:t>
+              <a:t>13/04/2015</a:t>
             </a:fld>
             <a:endParaRPr lang="en-AU"/>
           </a:p>
@@ -1035,7 +1019,7 @@
           <a:lstStyle/>
           <a:p>
             <a:r>
-              <a:rPr lang="en-US"/>
+              <a:rPr lang="en-US" smtClean="0"/>
               <a:t>Click to edit Master title style</a:t>
             </a:r>
             <a:endParaRPr lang="en-AU"/>
@@ -1064,35 +1048,35 @@
           <a:p>
             <a:pPr lvl="0"/>
             <a:r>
-              <a:rPr lang="en-US"/>
+              <a:rPr lang="en-US" smtClean="0"/>
               <a:t>Click to edit Master text styles</a:t>
             </a:r>
           </a:p>
           <a:p>
             <a:pPr lvl="1"/>
             <a:r>
-              <a:rPr lang="en-US"/>
+              <a:rPr lang="en-US" smtClean="0"/>
               <a:t>Second level</a:t>
             </a:r>
           </a:p>
           <a:p>
             <a:pPr lvl="2"/>
             <a:r>
-              <a:rPr lang="en-US"/>
+              <a:rPr lang="en-US" smtClean="0"/>
               <a:t>Third level</a:t>
             </a:r>
           </a:p>
           <a:p>
             <a:pPr lvl="3"/>
             <a:r>
-              <a:rPr lang="en-US"/>
+              <a:rPr lang="en-US" smtClean="0"/>
               <a:t>Fourth level</a:t>
             </a:r>
           </a:p>
           <a:p>
             <a:pPr lvl="4"/>
             <a:r>
-              <a:rPr lang="en-US"/>
+              <a:rPr lang="en-US" smtClean="0"/>
               <a:t>Fifth level</a:t>
             </a:r>
             <a:endParaRPr lang="en-AU"/>
@@ -1116,7 +1100,7 @@
           <a:p>
             <a:fld id="{C4D90668-E255-4E24-A4A2-0DCD477DB9D2}" type="datetimeFigureOut">
               <a:rPr lang="en-AU" smtClean="0"/>
-              <a:t>1/03/2016</a:t>
+              <a:t>13/04/2015</a:t>
             </a:fld>
             <a:endParaRPr lang="en-AU"/>
           </a:p>
@@ -1210,7 +1194,7 @@
           <a:lstStyle/>
           <a:p>
             <a:r>
-              <a:rPr lang="en-US"/>
+              <a:rPr lang="en-US" smtClean="0"/>
               <a:t>Click to edit Master title style</a:t>
             </a:r>
             <a:endParaRPr lang="en-AU"/>
@@ -1234,35 +1218,35 @@
           <a:p>
             <a:pPr lvl="0"/>
             <a:r>
-              <a:rPr lang="en-US"/>
+              <a:rPr lang="en-US" smtClean="0"/>
               <a:t>Click to edit Master text styles</a:t>
             </a:r>
           </a:p>
           <a:p>
             <a:pPr lvl="1"/>
             <a:r>
-              <a:rPr lang="en-US"/>
+              <a:rPr lang="en-US" smtClean="0"/>
               <a:t>Second level</a:t>
             </a:r>
           </a:p>
           <a:p>
             <a:pPr lvl="2"/>
             <a:r>
-              <a:rPr lang="en-US"/>
+              <a:rPr lang="en-US" smtClean="0"/>
               <a:t>Third level</a:t>
             </a:r>
           </a:p>
           <a:p>
             <a:pPr lvl="3"/>
             <a:r>
-              <a:rPr lang="en-US"/>
+              <a:rPr lang="en-US" smtClean="0"/>
               <a:t>Fourth level</a:t>
             </a:r>
           </a:p>
           <a:p>
             <a:pPr lvl="4"/>
             <a:r>
-              <a:rPr lang="en-US"/>
+              <a:rPr lang="en-US" smtClean="0"/>
               <a:t>Fifth level</a:t>
             </a:r>
             <a:endParaRPr lang="en-AU"/>
@@ -1286,7 +1270,7 @@
           <a:p>
             <a:fld id="{C4D90668-E255-4E24-A4A2-0DCD477DB9D2}" type="datetimeFigureOut">
               <a:rPr lang="en-AU" smtClean="0"/>
-              <a:t>1/03/2016</a:t>
+              <a:t>14/04/2015</a:t>
             </a:fld>
             <a:endParaRPr lang="en-AU"/>
           </a:p>
@@ -1393,10 +1377,22 @@
           <a:p>
             <a:r>
               <a:rPr lang="en-US" sz="600" b="1" dirty="0"/>
-              <a:t>© 2016 Health Level Seven ® International. All Rights Reserved.  Licensed under Creative</a:t>
-            </a:r>
-            <a:r>
-              <a:rPr lang="en-US" sz="600" b="1" baseline="0" dirty="0"/>
+              <a:t>© </a:t>
+            </a:r>
+            <a:r>
+              <a:rPr lang="en-US" sz="600" b="1" dirty="0" smtClean="0"/>
+              <a:t>2015 </a:t>
+            </a:r>
+            <a:r>
+              <a:rPr lang="en-US" sz="600" b="1" dirty="0"/>
+              <a:t>Health Level Seven ® International. All Rights Reserved. </a:t>
+            </a:r>
+            <a:r>
+              <a:rPr lang="en-US" sz="600" b="1" dirty="0" smtClean="0"/>
+              <a:t> Licensed under Creative</a:t>
+            </a:r>
+            <a:r>
+              <a:rPr lang="en-US" sz="600" b="1" baseline="0" dirty="0" smtClean="0"/>
               <a:t> Commons 0</a:t>
             </a:r>
             <a:endParaRPr lang="en-US" sz="600" b="1" dirty="0"/>
@@ -1464,7 +1460,7 @@
           </a:lstStyle>
           <a:p>
             <a:r>
-              <a:rPr lang="en-US"/>
+              <a:rPr lang="en-US" smtClean="0"/>
               <a:t>Click to edit Master title style</a:t>
             </a:r>
             <a:endParaRPr lang="en-AU"/>
@@ -1584,7 +1580,7 @@
           <a:p>
             <a:pPr lvl="0"/>
             <a:r>
-              <a:rPr lang="en-US"/>
+              <a:rPr lang="en-US" smtClean="0"/>
               <a:t>Click to edit Master text styles</a:t>
             </a:r>
           </a:p>
@@ -1607,7 +1603,7 @@
           <a:p>
             <a:fld id="{C4D90668-E255-4E24-A4A2-0DCD477DB9D2}" type="datetimeFigureOut">
               <a:rPr lang="en-AU" smtClean="0"/>
-              <a:t>1/03/2016</a:t>
+              <a:t>13/04/2015</a:t>
             </a:fld>
             <a:endParaRPr lang="en-AU"/>
           </a:p>
@@ -1701,7 +1697,7 @@
           <a:lstStyle/>
           <a:p>
             <a:r>
-              <a:rPr lang="en-US"/>
+              <a:rPr lang="en-US" smtClean="0"/>
               <a:t>Click to edit Master title style</a:t>
             </a:r>
             <a:endParaRPr lang="en-AU"/>
@@ -1758,35 +1754,35 @@
           <a:p>
             <a:pPr lvl="0"/>
             <a:r>
-              <a:rPr lang="en-US"/>
+              <a:rPr lang="en-US" smtClean="0"/>
               <a:t>Click to edit Master text styles</a:t>
             </a:r>
           </a:p>
           <a:p>
             <a:pPr lvl="1"/>
             <a:r>
-              <a:rPr lang="en-US"/>
+              <a:rPr lang="en-US" smtClean="0"/>
               <a:t>Second level</a:t>
             </a:r>
           </a:p>
           <a:p>
             <a:pPr lvl="2"/>
             <a:r>
-              <a:rPr lang="en-US"/>
+              <a:rPr lang="en-US" smtClean="0"/>
               <a:t>Third level</a:t>
             </a:r>
           </a:p>
           <a:p>
             <a:pPr lvl="3"/>
             <a:r>
-              <a:rPr lang="en-US"/>
+              <a:rPr lang="en-US" smtClean="0"/>
               <a:t>Fourth level</a:t>
             </a:r>
           </a:p>
           <a:p>
             <a:pPr lvl="4"/>
             <a:r>
-              <a:rPr lang="en-US"/>
+              <a:rPr lang="en-US" smtClean="0"/>
               <a:t>Fifth level</a:t>
             </a:r>
             <a:endParaRPr lang="en-AU"/>
@@ -1843,35 +1839,35 @@
           <a:p>
             <a:pPr lvl="0"/>
             <a:r>
-              <a:rPr lang="en-US"/>
+              <a:rPr lang="en-US" smtClean="0"/>
               <a:t>Click to edit Master text styles</a:t>
             </a:r>
           </a:p>
           <a:p>
             <a:pPr lvl="1"/>
             <a:r>
-              <a:rPr lang="en-US"/>
+              <a:rPr lang="en-US" smtClean="0"/>
               <a:t>Second level</a:t>
             </a:r>
           </a:p>
           <a:p>
             <a:pPr lvl="2"/>
             <a:r>
-              <a:rPr lang="en-US"/>
+              <a:rPr lang="en-US" smtClean="0"/>
               <a:t>Third level</a:t>
             </a:r>
           </a:p>
           <a:p>
             <a:pPr lvl="3"/>
             <a:r>
-              <a:rPr lang="en-US"/>
+              <a:rPr lang="en-US" smtClean="0"/>
               <a:t>Fourth level</a:t>
             </a:r>
           </a:p>
           <a:p>
             <a:pPr lvl="4"/>
             <a:r>
-              <a:rPr lang="en-US"/>
+              <a:rPr lang="en-US" smtClean="0"/>
               <a:t>Fifth level</a:t>
             </a:r>
             <a:endParaRPr lang="en-AU"/>
@@ -1895,7 +1891,7 @@
           <a:p>
             <a:fld id="{C4D90668-E255-4E24-A4A2-0DCD477DB9D2}" type="datetimeFigureOut">
               <a:rPr lang="en-AU" smtClean="0"/>
-              <a:t>1/03/2016</a:t>
+              <a:t>13/04/2015</a:t>
             </a:fld>
             <a:endParaRPr lang="en-AU"/>
           </a:p>
@@ -1993,7 +1989,7 @@
           </a:lstStyle>
           <a:p>
             <a:r>
-              <a:rPr lang="en-US"/>
+              <a:rPr lang="en-US" smtClean="0"/>
               <a:t>Click to edit Master title style</a:t>
             </a:r>
             <a:endParaRPr lang="en-AU"/>
@@ -2059,7 +2055,7 @@
           <a:p>
             <a:pPr lvl="0"/>
             <a:r>
-              <a:rPr lang="en-US"/>
+              <a:rPr lang="en-US" smtClean="0"/>
               <a:t>Click to edit Master text styles</a:t>
             </a:r>
           </a:p>
@@ -2115,35 +2111,35 @@
           <a:p>
             <a:pPr lvl="0"/>
             <a:r>
-              <a:rPr lang="en-US"/>
+              <a:rPr lang="en-US" smtClean="0"/>
               <a:t>Click to edit Master text styles</a:t>
             </a:r>
           </a:p>
           <a:p>
             <a:pPr lvl="1"/>
             <a:r>
-              <a:rPr lang="en-US"/>
+              <a:rPr lang="en-US" smtClean="0"/>
               <a:t>Second level</a:t>
             </a:r>
           </a:p>
           <a:p>
             <a:pPr lvl="2"/>
             <a:r>
-              <a:rPr lang="en-US"/>
+              <a:rPr lang="en-US" smtClean="0"/>
               <a:t>Third level</a:t>
             </a:r>
           </a:p>
           <a:p>
             <a:pPr lvl="3"/>
             <a:r>
-              <a:rPr lang="en-US"/>
+              <a:rPr lang="en-US" smtClean="0"/>
               <a:t>Fourth level</a:t>
             </a:r>
           </a:p>
           <a:p>
             <a:pPr lvl="4"/>
             <a:r>
-              <a:rPr lang="en-US"/>
+              <a:rPr lang="en-US" smtClean="0"/>
               <a:t>Fifth level</a:t>
             </a:r>
             <a:endParaRPr lang="en-AU"/>
@@ -2209,7 +2205,7 @@
           <a:p>
             <a:pPr lvl="0"/>
             <a:r>
-              <a:rPr lang="en-US"/>
+              <a:rPr lang="en-US" smtClean="0"/>
               <a:t>Click to edit Master text styles</a:t>
             </a:r>
           </a:p>
@@ -2265,35 +2261,35 @@
           <a:p>
             <a:pPr lvl="0"/>
             <a:r>
-              <a:rPr lang="en-US"/>
+              <a:rPr lang="en-US" smtClean="0"/>
               <a:t>Click to edit Master text styles</a:t>
             </a:r>
           </a:p>
           <a:p>
             <a:pPr lvl="1"/>
             <a:r>
-              <a:rPr lang="en-US"/>
+              <a:rPr lang="en-US" smtClean="0"/>
               <a:t>Second level</a:t>
             </a:r>
           </a:p>
           <a:p>
             <a:pPr lvl="2"/>
             <a:r>
-              <a:rPr lang="en-US"/>
+              <a:rPr lang="en-US" smtClean="0"/>
               <a:t>Third level</a:t>
             </a:r>
           </a:p>
           <a:p>
             <a:pPr lvl="3"/>
             <a:r>
-              <a:rPr lang="en-US"/>
+              <a:rPr lang="en-US" smtClean="0"/>
               <a:t>Fourth level</a:t>
             </a:r>
           </a:p>
           <a:p>
             <a:pPr lvl="4"/>
             <a:r>
-              <a:rPr lang="en-US"/>
+              <a:rPr lang="en-US" smtClean="0"/>
               <a:t>Fifth level</a:t>
             </a:r>
             <a:endParaRPr lang="en-AU"/>
@@ -2317,7 +2313,7 @@
           <a:p>
             <a:fld id="{C4D90668-E255-4E24-A4A2-0DCD477DB9D2}" type="datetimeFigureOut">
               <a:rPr lang="en-AU" smtClean="0"/>
-              <a:t>1/03/2016</a:t>
+              <a:t>13/04/2015</a:t>
             </a:fld>
             <a:endParaRPr lang="en-AU"/>
           </a:p>
@@ -2411,7 +2407,7 @@
           <a:lstStyle/>
           <a:p>
             <a:r>
-              <a:rPr lang="en-US"/>
+              <a:rPr lang="en-US" smtClean="0"/>
               <a:t>Click to edit Master title style</a:t>
             </a:r>
             <a:endParaRPr lang="en-AU"/>
@@ -2435,7 +2431,7 @@
           <a:p>
             <a:fld id="{C4D90668-E255-4E24-A4A2-0DCD477DB9D2}" type="datetimeFigureOut">
               <a:rPr lang="en-AU" smtClean="0"/>
-              <a:t>1/03/2016</a:t>
+              <a:t>13/04/2015</a:t>
             </a:fld>
             <a:endParaRPr lang="en-AU"/>
           </a:p>
@@ -2530,7 +2526,7 @@
           <a:p>
             <a:fld id="{C4D90668-E255-4E24-A4A2-0DCD477DB9D2}" type="datetimeFigureOut">
               <a:rPr lang="en-AU" smtClean="0"/>
-              <a:t>1/03/2016</a:t>
+              <a:t>13/04/2015</a:t>
             </a:fld>
             <a:endParaRPr lang="en-AU"/>
           </a:p>
@@ -2633,7 +2629,7 @@
           </a:lstStyle>
           <a:p>
             <a:r>
-              <a:rPr lang="en-US"/>
+              <a:rPr lang="en-US" smtClean="0"/>
               <a:t>Click to edit Master title style</a:t>
             </a:r>
             <a:endParaRPr lang="en-AU"/>
@@ -2690,35 +2686,35 @@
           <a:p>
             <a:pPr lvl="0"/>
             <a:r>
-              <a:rPr lang="en-US"/>
+              <a:rPr lang="en-US" smtClean="0"/>
               <a:t>Click to edit Master text styles</a:t>
             </a:r>
           </a:p>
           <a:p>
             <a:pPr lvl="1"/>
             <a:r>
-              <a:rPr lang="en-US"/>
+              <a:rPr lang="en-US" smtClean="0"/>
               <a:t>Second level</a:t>
             </a:r>
           </a:p>
           <a:p>
             <a:pPr lvl="2"/>
             <a:r>
-              <a:rPr lang="en-US"/>
+              <a:rPr lang="en-US" smtClean="0"/>
               <a:t>Third level</a:t>
             </a:r>
           </a:p>
           <a:p>
             <a:pPr lvl="3"/>
             <a:r>
-              <a:rPr lang="en-US"/>
+              <a:rPr lang="en-US" smtClean="0"/>
               <a:t>Fourth level</a:t>
             </a:r>
           </a:p>
           <a:p>
             <a:pPr lvl="4"/>
             <a:r>
-              <a:rPr lang="en-US"/>
+              <a:rPr lang="en-US" smtClean="0"/>
               <a:t>Fifth level</a:t>
             </a:r>
             <a:endParaRPr lang="en-AU"/>
@@ -2784,7 +2780,7 @@
           <a:p>
             <a:pPr lvl="0"/>
             <a:r>
-              <a:rPr lang="en-US"/>
+              <a:rPr lang="en-US" smtClean="0"/>
               <a:t>Click to edit Master text styles</a:t>
             </a:r>
           </a:p>
@@ -2807,7 +2803,7 @@
           <a:p>
             <a:fld id="{C4D90668-E255-4E24-A4A2-0DCD477DB9D2}" type="datetimeFigureOut">
               <a:rPr lang="en-AU" smtClean="0"/>
-              <a:t>1/03/2016</a:t>
+              <a:t>13/04/2015</a:t>
             </a:fld>
             <a:endParaRPr lang="en-AU"/>
           </a:p>
@@ -2910,7 +2906,7 @@
           </a:lstStyle>
           <a:p>
             <a:r>
-              <a:rPr lang="en-US"/>
+              <a:rPr lang="en-US" smtClean="0"/>
               <a:t>Click to edit Master title style</a:t>
             </a:r>
             <a:endParaRPr lang="en-AU"/>
@@ -3037,7 +3033,7 @@
           <a:p>
             <a:pPr lvl="0"/>
             <a:r>
-              <a:rPr lang="en-US"/>
+              <a:rPr lang="en-US" smtClean="0"/>
               <a:t>Click to edit Master text styles</a:t>
             </a:r>
           </a:p>
@@ -3060,7 +3056,7 @@
           <a:p>
             <a:fld id="{C4D90668-E255-4E24-A4A2-0DCD477DB9D2}" type="datetimeFigureOut">
               <a:rPr lang="en-AU" smtClean="0"/>
-              <a:t>1/03/2016</a:t>
+              <a:t>13/04/2015</a:t>
             </a:fld>
             <a:endParaRPr lang="en-AU"/>
           </a:p>
@@ -3169,7 +3165,7 @@
           <a:lstStyle/>
           <a:p>
             <a:r>
-              <a:rPr lang="en-US"/>
+              <a:rPr lang="en-US" smtClean="0"/>
               <a:t>Click to edit Master title style</a:t>
             </a:r>
             <a:endParaRPr lang="en-AU"/>
@@ -3203,35 +3199,35 @@
           <a:p>
             <a:pPr lvl="0"/>
             <a:r>
-              <a:rPr lang="en-US"/>
+              <a:rPr lang="en-US" smtClean="0"/>
               <a:t>Click to edit Master text styles</a:t>
             </a:r>
           </a:p>
           <a:p>
             <a:pPr lvl="1"/>
             <a:r>
-              <a:rPr lang="en-US"/>
+              <a:rPr lang="en-US" smtClean="0"/>
               <a:t>Second level</a:t>
             </a:r>
           </a:p>
           <a:p>
             <a:pPr lvl="2"/>
             <a:r>
-              <a:rPr lang="en-US"/>
+              <a:rPr lang="en-US" smtClean="0"/>
               <a:t>Third level</a:t>
             </a:r>
           </a:p>
           <a:p>
             <a:pPr lvl="3"/>
             <a:r>
-              <a:rPr lang="en-US"/>
+              <a:rPr lang="en-US" smtClean="0"/>
               <a:t>Fourth level</a:t>
             </a:r>
           </a:p>
           <a:p>
             <a:pPr lvl="4"/>
             <a:r>
-              <a:rPr lang="en-US"/>
+              <a:rPr lang="en-US" smtClean="0"/>
               <a:t>Fifth level</a:t>
             </a:r>
             <a:endParaRPr lang="en-AU"/>
@@ -3273,7 +3269,7 @@
           <a:p>
             <a:fld id="{C4D90668-E255-4E24-A4A2-0DCD477DB9D2}" type="datetimeFigureOut">
               <a:rPr lang="en-AU" smtClean="0"/>
-              <a:t>1/03/2016</a:t>
+              <a:t>13/04/2015</a:t>
             </a:fld>
             <a:endParaRPr lang="en-AU"/>
           </a:p>
@@ -3733,7 +3729,7 @@
           <a:lstStyle/>
           <a:p>
             <a:r>
-              <a:rPr lang="en-AU" sz="16600" dirty="0"/>
+              <a:rPr lang="en-AU" sz="16600" dirty="0" smtClean="0"/>
               <a:t>FHIR</a:t>
             </a:r>
             <a:endParaRPr lang="en-AU" dirty="0"/>
@@ -3763,15 +3759,16 @@
           <a:lstStyle/>
           <a:p>
             <a:r>
-              <a:rPr lang="en-AU" sz="6600" dirty="0"/>
+              <a:rPr lang="en-AU" sz="6600" dirty="0" smtClean="0"/>
               <a:t>HIMSS </a:t>
             </a:r>
           </a:p>
           <a:p>
             <a:r>
-              <a:rPr lang="en-AU" sz="6600" dirty="0"/>
+              <a:rPr lang="en-AU" sz="6600" dirty="0" smtClean="0"/>
               <a:t>2015</a:t>
             </a:r>
+            <a:endParaRPr lang="en-AU" sz="6600" dirty="0"/>
           </a:p>
         </p:txBody>
       </p:sp>
@@ -3827,7 +3824,7 @@
           <a:p>
             <a:pPr eaLnBrk="1" hangingPunct="1"/>
             <a:r>
-              <a:rPr lang="en-US" dirty="0">
+              <a:rPr lang="en-US" dirty="0" smtClean="0">
                 <a:latin typeface="Calibri" pitchFamily="34" charset="0"/>
               </a:rPr>
               <a:t>FHIR Ethos</a:t>
@@ -3872,16 +3869,21 @@
             <a:pPr lvl="1"/>
             <a:r>
               <a:rPr lang="en-AU" dirty="0"/>
-              <a:t>Reference Implementations (C#, Java, </a:t>
-            </a:r>
-            <a:r>
-              <a:rPr lang="en-AU" dirty="0" err="1"/>
+              <a:t>Reference Implementations </a:t>
+            </a:r>
+            <a:r>
+              <a:rPr lang="en-AU" dirty="0" smtClean="0"/>
+              <a:t>(C#, Java, </a:t>
+            </a:r>
+            <a:r>
+              <a:rPr lang="en-AU" dirty="0" err="1" smtClean="0"/>
               <a:t>etc</a:t>
             </a:r>
             <a:r>
-              <a:rPr lang="en-AU" dirty="0"/>
+              <a:rPr lang="en-AU" dirty="0" smtClean="0"/>
               <a:t>)</a:t>
             </a:r>
+            <a:endParaRPr lang="en-AU" dirty="0"/>
           </a:p>
           <a:p>
             <a:pPr lvl="1"/>
@@ -3893,7 +3895,7 @@
           <a:p>
             <a:pPr lvl="1"/>
             <a:r>
-              <a:rPr lang="en-AU" dirty="0" err="1"/>
+              <a:rPr lang="en-AU" dirty="0" err="1" smtClean="0"/>
               <a:t>Connectathons</a:t>
             </a:r>
             <a:endParaRPr lang="en-AU" dirty="0"/>
@@ -3917,15 +3919,16 @@
           <a:p>
             <a:pPr lvl="1"/>
             <a:r>
-              <a:rPr lang="en-AU" dirty="0"/>
+              <a:rPr lang="en-AU" dirty="0" smtClean="0"/>
               <a:t>Creative Commons Public Domain</a:t>
             </a:r>
+            <a:endParaRPr lang="en-AU" dirty="0"/>
           </a:p>
           <a:p>
             <a:pPr marL="0" indent="0" eaLnBrk="1" hangingPunct="1">
               <a:buNone/>
             </a:pPr>
-            <a:endParaRPr lang="en-US" dirty="0">
+            <a:endParaRPr lang="en-US" dirty="0" smtClean="0">
               <a:latin typeface="Calibri" pitchFamily="34" charset="0"/>
             </a:endParaRPr>
           </a:p>
@@ -3994,6 +3997,13 @@
   <p:clrMapOvr>
     <a:masterClrMapping/>
   </p:clrMapOvr>
+  <p:timing>
+    <p:tnLst>
+      <p:par>
+        <p:cTn id="1" dur="indefinite" restart="never" nodeType="tmRoot"/>
+      </p:par>
+    </p:tnLst>
+  </p:timing>
 </p:sld>
 </file>
 
@@ -4036,7 +4046,7 @@
           <a:p>
             <a:pPr eaLnBrk="1" hangingPunct="1"/>
             <a:r>
-              <a:rPr lang="en-US" dirty="0">
+              <a:rPr lang="en-US" dirty="0" smtClean="0">
                 <a:latin typeface="Calibri" pitchFamily="34" charset="0"/>
               </a:rPr>
               <a:t>Status</a:t>
@@ -4065,31 +4075,31 @@
           <a:lstStyle/>
           <a:p>
             <a:r>
-              <a:rPr lang="en-US" dirty="0">
+              <a:rPr lang="en-US" dirty="0" smtClean="0">
                 <a:latin typeface="Calibri" pitchFamily="34" charset="0"/>
               </a:rPr>
               <a:t>1</a:t>
             </a:r>
             <a:r>
-              <a:rPr lang="en-US" baseline="30000" dirty="0">
+              <a:rPr lang="en-US" baseline="30000" dirty="0" smtClean="0">
                 <a:latin typeface="Calibri" pitchFamily="34" charset="0"/>
               </a:rPr>
               <a:t>st</a:t>
             </a:r>
             <a:r>
-              <a:rPr lang="en-US" dirty="0">
+              <a:rPr lang="en-US" dirty="0" smtClean="0">
                 <a:latin typeface="Calibri" pitchFamily="34" charset="0"/>
               </a:rPr>
               <a:t> DSTU published Feb 3</a:t>
             </a:r>
             <a:r>
-              <a:rPr lang="en-US" baseline="30000" dirty="0">
+              <a:rPr lang="en-US" baseline="30000" dirty="0" smtClean="0">
                 <a:latin typeface="Calibri" pitchFamily="34" charset="0"/>
               </a:rPr>
               <a:t>rd</a:t>
             </a:r>
             <a:r>
-              <a:rPr lang="en-US" dirty="0">
+              <a:rPr lang="en-US" dirty="0" smtClean="0">
                 <a:latin typeface="Calibri" pitchFamily="34" charset="0"/>
               </a:rPr>
               <a:t> 2014</a:t>
@@ -4098,16 +4108,19 @@
           <a:p>
             <a:pPr lvl="1"/>
             <a:r>
-              <a:rPr lang="en-US" dirty="0">
+              <a:rPr lang="en-US" dirty="0" smtClean="0">
                 <a:latin typeface="Calibri" pitchFamily="34" charset="0"/>
               </a:rPr>
               <a:t>(Draft Standard for Trial Use)</a:t>
             </a:r>
+            <a:endParaRPr lang="en-US" dirty="0">
+              <a:latin typeface="Calibri" pitchFamily="34" charset="0"/>
+            </a:endParaRPr>
           </a:p>
           <a:p>
             <a:pPr lvl="1"/>
             <a:r>
-              <a:rPr lang="en-US" dirty="0">
+              <a:rPr lang="en-US" dirty="0" smtClean="0">
                 <a:latin typeface="Calibri" pitchFamily="34" charset="0"/>
               </a:rPr>
               <a:t>Widespread Community Growth and Adoption</a:t>
@@ -4115,58 +4128,46 @@
           </a:p>
           <a:p>
             <a:pPr lvl="1"/>
-            <a:endParaRPr lang="en-US" dirty="0">
+            <a:endParaRPr lang="en-US" dirty="0" smtClean="0">
               <a:latin typeface="Calibri" pitchFamily="34" charset="0"/>
             </a:endParaRPr>
           </a:p>
           <a:p>
             <a:r>
-              <a:rPr lang="en-US" dirty="0">
+              <a:rPr lang="en-US" dirty="0" smtClean="0">
                 <a:latin typeface="Calibri" pitchFamily="34" charset="0"/>
               </a:rPr>
               <a:t>2</a:t>
             </a:r>
             <a:r>
-              <a:rPr lang="en-US" baseline="30000" dirty="0">
+              <a:rPr lang="en-US" baseline="30000" dirty="0" smtClean="0">
                 <a:latin typeface="Calibri" pitchFamily="34" charset="0"/>
               </a:rPr>
               <a:t>nd</a:t>
             </a:r>
             <a:r>
-              <a:rPr lang="en-US" dirty="0">
+              <a:rPr lang="en-US" dirty="0" smtClean="0">
                 <a:latin typeface="Calibri" pitchFamily="34" charset="0"/>
               </a:rPr>
-              <a:t> DSTU published Sept 23</a:t>
-            </a:r>
-            <a:r>
-              <a:rPr lang="en-US" baseline="30000" dirty="0">
+              <a:t> DSTU open for final ballot now</a:t>
+            </a:r>
+          </a:p>
+          <a:p>
+            <a:pPr lvl="1"/>
+            <a:r>
+              <a:rPr lang="en-US" dirty="0" smtClean="0">
                 <a:latin typeface="Calibri" pitchFamily="34" charset="0"/>
               </a:rPr>
-              <a:t>rd</a:t>
-            </a:r>
-            <a:r>
-              <a:rPr lang="en-US" dirty="0">
+              <a:t>Changed based on implementer feedback</a:t>
+            </a:r>
+          </a:p>
+          <a:p>
+            <a:pPr lvl="1"/>
+            <a:r>
+              <a:rPr lang="en-US" dirty="0" smtClean="0">
                 <a:latin typeface="Calibri" pitchFamily="34" charset="0"/>
               </a:rPr>
-              <a:t> 2015</a:t>
-            </a:r>
-          </a:p>
-          <a:p>
-            <a:pPr lvl="1"/>
-            <a:r>
-              <a:rPr lang="en-US" dirty="0">
-                <a:latin typeface="Calibri" pitchFamily="34" charset="0"/>
-              </a:rPr>
-              <a:t>Extensive change based on implementer feedback</a:t>
-            </a:r>
-          </a:p>
-          <a:p>
-            <a:pPr lvl="1"/>
-            <a:r>
-              <a:rPr lang="en-US" dirty="0">
-                <a:latin typeface="Calibri" pitchFamily="34" charset="0"/>
-              </a:rPr>
-              <a:t>Introduction of Maturity Model</a:t>
+              <a:t>Expect to publish July/August</a:t>
             </a:r>
           </a:p>
         </p:txBody>
@@ -4234,6 +4235,13 @@
   <p:clrMapOvr>
     <a:masterClrMapping/>
   </p:clrMapOvr>
+  <p:timing>
+    <p:tnLst>
+      <p:par>
+        <p:cTn id="1" dur="indefinite" restart="never" nodeType="tmRoot"/>
+      </p:par>
+    </p:tnLst>
+  </p:timing>
 </p:sld>
 </file>
 
@@ -4270,17 +4278,18 @@
           <a:lstStyle/>
           <a:p>
             <a:r>
-              <a:rPr lang="en-AU" dirty="0"/>
+              <a:rPr lang="en-AU" dirty="0" smtClean="0"/>
               <a:t>2</a:t>
             </a:r>
             <a:r>
-              <a:rPr lang="en-AU" baseline="30000" dirty="0"/>
+              <a:rPr lang="en-AU" baseline="30000" dirty="0" smtClean="0"/>
               <a:t>nd</a:t>
             </a:r>
             <a:r>
-              <a:rPr lang="en-AU" dirty="0"/>
+              <a:rPr lang="en-AU" dirty="0" smtClean="0"/>
               <a:t> DSTU Key Changes</a:t>
             </a:r>
+            <a:endParaRPr lang="en-AU" dirty="0"/>
           </a:p>
         </p:txBody>
       </p:sp>
@@ -4300,59 +4309,59 @@
           <a:lstStyle/>
           <a:p>
             <a:r>
-              <a:rPr lang="en-AU" dirty="0"/>
+              <a:rPr lang="en-AU" dirty="0" smtClean="0"/>
               <a:t>API</a:t>
             </a:r>
           </a:p>
           <a:p>
             <a:pPr lvl="1"/>
             <a:r>
-              <a:rPr lang="en-AU" dirty="0"/>
+              <a:rPr lang="en-AU" dirty="0" smtClean="0"/>
               <a:t>Simplify collections / transactions</a:t>
             </a:r>
           </a:p>
           <a:p>
             <a:pPr lvl="1"/>
             <a:r>
-              <a:rPr lang="en-AU" dirty="0"/>
+              <a:rPr lang="en-AU" dirty="0" smtClean="0"/>
               <a:t>Significant enhancements to search</a:t>
             </a:r>
           </a:p>
           <a:p>
             <a:r>
-              <a:rPr lang="en-AU" dirty="0"/>
+              <a:rPr lang="en-AU" dirty="0" smtClean="0"/>
               <a:t>Introspection</a:t>
             </a:r>
           </a:p>
           <a:p>
             <a:pPr lvl="1"/>
             <a:r>
-              <a:rPr lang="en-AU" dirty="0"/>
+              <a:rPr lang="en-AU" dirty="0" smtClean="0"/>
               <a:t>Massive upgrade to capabilities</a:t>
             </a:r>
           </a:p>
           <a:p>
             <a:r>
-              <a:rPr lang="en-AU" dirty="0"/>
+              <a:rPr lang="en-AU" dirty="0" smtClean="0"/>
               <a:t>Domain Resources</a:t>
             </a:r>
           </a:p>
           <a:p>
             <a:pPr lvl="1"/>
             <a:r>
-              <a:rPr lang="en-AU" dirty="0"/>
+              <a:rPr lang="en-AU" dirty="0" smtClean="0"/>
               <a:t>Simplification, enhancements</a:t>
             </a:r>
           </a:p>
           <a:p>
             <a:pPr lvl="1"/>
             <a:r>
-              <a:rPr lang="en-AU" dirty="0"/>
+              <a:rPr lang="en-AU" dirty="0" smtClean="0"/>
               <a:t>X new resources (all modules)</a:t>
             </a:r>
           </a:p>
           <a:p>
-            <a:endParaRPr lang="en-AU" dirty="0"/>
+            <a:endParaRPr lang="en-AU" dirty="0" smtClean="0"/>
           </a:p>
           <a:p>
             <a:endParaRPr lang="en-AU" dirty="0"/>
@@ -4440,7 +4449,7 @@
           <a:p>
             <a:pPr eaLnBrk="1" hangingPunct="1"/>
             <a:r>
-              <a:rPr lang="en-US" dirty="0">
+              <a:rPr lang="en-US" dirty="0" smtClean="0">
                 <a:latin typeface="Calibri" pitchFamily="34" charset="0"/>
               </a:rPr>
               <a:t>FHIR &amp; CCDA</a:t>
@@ -4465,13 +4474,11 @@
           </a:xfrm>
         </p:spPr>
         <p:txBody>
-          <a:bodyPr>
-            <a:normAutofit lnSpcReduction="10000"/>
-          </a:bodyPr>
-          <a:lstStyle/>
-          <a:p>
-            <a:r>
-              <a:rPr lang="en-US" dirty="0">
+          <a:bodyPr/>
+          <a:lstStyle/>
+          <a:p>
+            <a:r>
+              <a:rPr lang="en-US" dirty="0" smtClean="0">
                 <a:latin typeface="Calibri" pitchFamily="34" charset="0"/>
               </a:rPr>
               <a:t>CCDA is mandated by Meaningful Use</a:t>
@@ -4479,7 +4486,7 @@
           </a:p>
           <a:p>
             <a:r>
-              <a:rPr lang="en-US" dirty="0">
+              <a:rPr lang="en-US" dirty="0" smtClean="0">
                 <a:latin typeface="Calibri" pitchFamily="34" charset="0"/>
               </a:rPr>
               <a:t>FHIR is a new specification</a:t>
@@ -4487,7 +4494,7 @@
           </a:p>
           <a:p>
             <a:r>
-              <a:rPr lang="en-US" dirty="0">
+              <a:rPr lang="en-US" dirty="0" smtClean="0">
                 <a:latin typeface="Calibri" pitchFamily="34" charset="0"/>
               </a:rPr>
               <a:t>FHIR is not a replacement for CCDA (yet)</a:t>
@@ -4495,7 +4502,7 @@
           </a:p>
           <a:p>
             <a:r>
-              <a:rPr lang="en-US" dirty="0">
+              <a:rPr lang="en-US" dirty="0" smtClean="0">
                 <a:latin typeface="Calibri" pitchFamily="34" charset="0"/>
               </a:rPr>
               <a:t>Project to migrate CCDA content to FHIR</a:t>
@@ -4503,25 +4510,25 @@
           </a:p>
           <a:p>
             <a:r>
-              <a:rPr lang="en-US" dirty="0">
+              <a:rPr lang="en-US" dirty="0" smtClean="0">
                 <a:latin typeface="Calibri" pitchFamily="34" charset="0"/>
               </a:rPr>
-              <a:t>This year: CCDA </a:t>
-            </a:r>
-            <a:r>
-              <a:rPr lang="en-US" dirty="0">
+              <a:t>Future: CCDA </a:t>
+            </a:r>
+            <a:r>
+              <a:rPr lang="en-US" dirty="0" smtClean="0">
                 <a:latin typeface="Calibri" pitchFamily="34" charset="0"/>
                 <a:sym typeface="Wingdings" panose="05000000000000000000" pitchFamily="2" charset="2"/>
               </a:rPr>
-              <a:t> FHIR interchange projects and infrastructure</a:t>
-            </a:r>
-            <a:endParaRPr lang="en-US" dirty="0">
+              <a:t> FHIR interchange projects</a:t>
+            </a:r>
+            <a:endParaRPr lang="en-US" dirty="0" smtClean="0">
               <a:latin typeface="Calibri" pitchFamily="34" charset="0"/>
             </a:endParaRPr>
           </a:p>
           <a:p>
             <a:r>
-              <a:rPr lang="en-US" dirty="0">
+              <a:rPr lang="en-US" dirty="0" smtClean="0">
                 <a:latin typeface="Calibri" pitchFamily="34" charset="0"/>
               </a:rPr>
               <a:t>Document and data exchange will continue to co-exist</a:t>
@@ -4592,6 +4599,13 @@
   <p:clrMapOvr>
     <a:masterClrMapping/>
   </p:clrMapOvr>
+  <p:timing>
+    <p:tnLst>
+      <p:par>
+        <p:cTn id="1" dur="indefinite" restart="never" nodeType="tmRoot"/>
+      </p:par>
+    </p:tnLst>
+  </p:timing>
 </p:sld>
 </file>
 
@@ -4628,9 +4642,10 @@
           <a:lstStyle/>
           <a:p>
             <a:r>
-              <a:rPr lang="en-AU" dirty="0"/>
+              <a:rPr lang="en-AU" dirty="0" smtClean="0"/>
               <a:t>Key FHIR Projects</a:t>
             </a:r>
+            <a:endParaRPr lang="en-AU" dirty="0"/>
           </a:p>
         </p:txBody>
       </p:sp>
@@ -4657,64 +4672,65 @@
           <a:lstStyle/>
           <a:p>
             <a:r>
-              <a:rPr lang="en-AU" dirty="0"/>
+              <a:rPr lang="en-AU" dirty="0" smtClean="0"/>
               <a:t>SMART</a:t>
             </a:r>
           </a:p>
           <a:p>
             <a:pPr lvl="1"/>
             <a:r>
-              <a:rPr lang="en-AU" dirty="0"/>
+              <a:rPr lang="en-AU" dirty="0" smtClean="0"/>
               <a:t>Key integration framework for many uses of FHIR</a:t>
             </a:r>
           </a:p>
           <a:p>
             <a:pPr lvl="1"/>
+            <a:endParaRPr lang="en-AU" dirty="0" smtClean="0"/>
+          </a:p>
+          <a:p>
+            <a:r>
+              <a:rPr lang="en-AU" dirty="0" smtClean="0"/>
+              <a:t>Argonaut</a:t>
+            </a:r>
+          </a:p>
+          <a:p>
+            <a:pPr lvl="1"/>
+            <a:r>
+              <a:rPr lang="en-AU" dirty="0" smtClean="0"/>
+              <a:t>JASON Taskforce – API based access to data</a:t>
+            </a:r>
+          </a:p>
+          <a:p>
+            <a:pPr lvl="1"/>
+            <a:r>
+              <a:rPr lang="en-AU" dirty="0" smtClean="0"/>
+              <a:t>Patient / Provider portals, data exchange</a:t>
+            </a:r>
+          </a:p>
+          <a:p>
+            <a:pPr lvl="1"/>
+            <a:endParaRPr lang="en-AU" dirty="0" smtClean="0"/>
+          </a:p>
+          <a:p>
+            <a:r>
+              <a:rPr lang="en-AU" dirty="0" smtClean="0"/>
+              <a:t>HSPC</a:t>
+            </a:r>
+          </a:p>
+          <a:p>
+            <a:pPr lvl="1"/>
+            <a:r>
+              <a:rPr lang="en-AU" dirty="0" smtClean="0"/>
+              <a:t>API based access to data</a:t>
+            </a:r>
+          </a:p>
+          <a:p>
+            <a:pPr lvl="1"/>
+            <a:r>
+              <a:rPr lang="en-AU" dirty="0" smtClean="0"/>
+              <a:t>EHR plug-in framework</a:t>
+            </a:r>
             <a:endParaRPr lang="en-AU" dirty="0"/>
-          </a:p>
-          <a:p>
-            <a:r>
-              <a:rPr lang="en-AU" dirty="0"/>
-              <a:t>Argonaut</a:t>
-            </a:r>
-          </a:p>
-          <a:p>
-            <a:pPr lvl="1"/>
-            <a:r>
-              <a:rPr lang="en-AU" dirty="0"/>
-              <a:t>JASON Taskforce – API based access to data</a:t>
-            </a:r>
-          </a:p>
-          <a:p>
-            <a:pPr lvl="1"/>
-            <a:r>
-              <a:rPr lang="en-AU" dirty="0"/>
-              <a:t>Patient / Provider portals, data exchange</a:t>
-            </a:r>
-          </a:p>
-          <a:p>
-            <a:pPr lvl="1"/>
-            <a:endParaRPr lang="en-AU" dirty="0"/>
-          </a:p>
-          <a:p>
-            <a:r>
-              <a:rPr lang="en-AU" dirty="0"/>
-              <a:t>HSPC</a:t>
-            </a:r>
-          </a:p>
-          <a:p>
-            <a:pPr lvl="1"/>
-            <a:r>
-              <a:rPr lang="en-AU" dirty="0"/>
-              <a:t>API based access to data</a:t>
-            </a:r>
-          </a:p>
-          <a:p>
-            <a:pPr lvl="1"/>
-            <a:r>
-              <a:rPr lang="en-AU" dirty="0"/>
-              <a:t>EHR plug-in framework</a:t>
-            </a:r>
           </a:p>
         </p:txBody>
       </p:sp>
@@ -4799,7 +4815,7 @@
           <a:p>
             <a:pPr eaLnBrk="1" hangingPunct="1"/>
             <a:r>
-              <a:rPr lang="en-US" dirty="0">
+              <a:rPr lang="en-US" dirty="0" smtClean="0">
                 <a:latin typeface="Calibri" pitchFamily="34" charset="0"/>
               </a:rPr>
               <a:t>Follow Up</a:t>
@@ -4825,7 +4841,7 @@
         </p:spPr>
         <p:txBody>
           <a:bodyPr>
-            <a:normAutofit/>
+            <a:normAutofit lnSpcReduction="10000"/>
           </a:bodyPr>
           <a:lstStyle/>
           <a:p>
@@ -4849,18 +4865,23 @@
           </a:p>
           <a:p>
             <a:r>
+              <a:rPr lang="en-AU" dirty="0" smtClean="0"/>
+              <a:t>Become part of the community:</a:t>
+            </a:r>
+            <a:endParaRPr lang="en-AU" dirty="0"/>
+          </a:p>
+          <a:p>
+            <a:pPr lvl="1"/>
+            <a:r>
               <a:rPr lang="en-AU" dirty="0"/>
-              <a:t>Become part of the community:</a:t>
-            </a:r>
-          </a:p>
-          <a:p>
-            <a:pPr lvl="1"/>
-            <a:r>
-              <a:rPr lang="en-AU" dirty="0"/>
-              <a:t>Come to a </a:t>
-            </a:r>
-            <a:r>
-              <a:rPr lang="en-AU" dirty="0" err="1"/>
+              <a:t>Come to </a:t>
+            </a:r>
+            <a:r>
+              <a:rPr lang="en-AU" dirty="0" smtClean="0"/>
+              <a:t>a </a:t>
+            </a:r>
+            <a:r>
+              <a:rPr lang="en-AU" dirty="0" err="1" smtClean="0"/>
               <a:t>Connectathon</a:t>
             </a:r>
             <a:r>
@@ -4871,29 +4892,66 @@
           <a:p>
             <a:pPr lvl="1"/>
             <a:r>
+              <a:rPr lang="en-AU" dirty="0" smtClean="0"/>
+              <a:t>Make </a:t>
+            </a:r>
+            <a:r>
               <a:rPr lang="en-AU" dirty="0"/>
-              <a:t>Join us at http://fhir.org</a:t>
+              <a:t>comments online</a:t>
             </a:r>
           </a:p>
           <a:p>
             <a:pPr lvl="1"/>
             <a:r>
               <a:rPr lang="en-AU" dirty="0"/>
-              <a:t>Start a project using FHIR</a:t>
-            </a:r>
+              <a:t>Join the FHIR email list </a:t>
+            </a:r>
+            <a:br>
+              <a:rPr lang="en-AU" dirty="0"/>
+            </a:br>
+            <a:r>
+              <a:rPr lang="en-AU" sz="1200" dirty="0">
+                <a:hlinkClick r:id="rId3"/>
+              </a:rPr>
+              <a:t>http://wiki.hl7.org/index.php?title=FHIR_email_list_subscription_instructions</a:t>
+            </a:r>
+            <a:endParaRPr lang="en-AU" dirty="0"/>
           </a:p>
           <a:p>
             <a:pPr lvl="1"/>
             <a:r>
+              <a:rPr lang="en-AU" dirty="0" smtClean="0"/>
+              <a:t>Implement </a:t>
+            </a:r>
+            <a:r>
               <a:rPr lang="en-AU" dirty="0"/>
-              <a:t>Come to the next meeting (Montreal in May)</a:t>
+              <a:t>it</a:t>
+            </a:r>
+          </a:p>
+          <a:p>
+            <a:pPr lvl="1"/>
+            <a:r>
+              <a:rPr lang="en-AU" dirty="0" smtClean="0"/>
+              <a:t>Come </a:t>
+            </a:r>
+            <a:r>
+              <a:rPr lang="en-AU" dirty="0"/>
+              <a:t>to the next meeting </a:t>
+            </a:r>
+            <a:r>
+              <a:rPr lang="en-AU" dirty="0" smtClean="0"/>
+              <a:t>(Paris in </a:t>
+            </a:r>
+            <a:r>
+              <a:rPr lang="en-AU" dirty="0"/>
+              <a:t>May)</a:t>
             </a:r>
           </a:p>
           <a:p>
             <a:pPr marL="0" indent="0" eaLnBrk="1" hangingPunct="1">
               <a:buNone/>
             </a:pPr>
-            <a:endParaRPr lang="en-US" dirty="0">
+            <a:endParaRPr lang="en-US" dirty="0" smtClean="0">
               <a:latin typeface="Calibri" pitchFamily="34" charset="0"/>
             </a:endParaRPr>
           </a:p>
@@ -4932,7 +4990,7 @@
           <p:nvPr/>
         </p:nvPicPr>
         <p:blipFill rotWithShape="1">
-          <a:blip r:embed="rId3">
+          <a:blip r:embed="rId4">
             <a:extLst>
               <a:ext uri="{28A0092B-C50C-407E-A947-70E740481C1C}">
                 <a14:useLocalDpi xmlns:a14="http://schemas.microsoft.com/office/drawing/2010/main" val="0"/>
@@ -4962,6 +5020,13 @@
   <p:clrMapOvr>
     <a:masterClrMapping/>
   </p:clrMapOvr>
+  <p:timing>
+    <p:tnLst>
+      <p:par>
+        <p:cTn id="1" dur="indefinite" restart="never" nodeType="tmRoot"/>
+      </p:par>
+    </p:tnLst>
+  </p:timing>
 </p:sld>
 </file>
 
@@ -5004,7 +5069,7 @@
           <a:p>
             <a:pPr eaLnBrk="1" hangingPunct="1"/>
             <a:r>
-              <a:rPr lang="en-US" dirty="0">
+              <a:rPr lang="en-US" dirty="0" smtClean="0">
                 <a:latin typeface="Calibri" pitchFamily="34" charset="0"/>
               </a:rPr>
               <a:t>FHIR</a:t>
@@ -5037,7 +5102,7 @@
               <a:buChar char="§"/>
             </a:pPr>
             <a:r>
-              <a:rPr lang="en-US" sz="4800" dirty="0">
+              <a:rPr lang="en-US" sz="4800" dirty="0" smtClean="0">
                 <a:latin typeface="Calibri" pitchFamily="34" charset="0"/>
               </a:rPr>
               <a:t>Simple…. FAST…</a:t>
@@ -5049,7 +5114,7 @@
               <a:buChar char="§"/>
             </a:pPr>
             <a:r>
-              <a:rPr lang="en-US" sz="4800" dirty="0">
+              <a:rPr lang="en-US" sz="4800" dirty="0" smtClean="0">
                 <a:latin typeface="Calibri" pitchFamily="34" charset="0"/>
               </a:rPr>
               <a:t>Easy to use and understand</a:t>
@@ -5061,7 +5126,7 @@
               <a:buChar char="§"/>
             </a:pPr>
             <a:r>
-              <a:rPr lang="en-US" sz="4800" dirty="0">
+              <a:rPr lang="en-US" sz="4800" dirty="0" smtClean="0">
                 <a:latin typeface="Calibri" pitchFamily="34" charset="0"/>
               </a:rPr>
               <a:t>Standard skills, tools</a:t>
@@ -5073,7 +5138,7 @@
               <a:buChar char="§"/>
             </a:pPr>
             <a:r>
-              <a:rPr lang="en-US" sz="4800" dirty="0">
+              <a:rPr lang="en-US" sz="4800" dirty="0" smtClean="0">
                 <a:latin typeface="Calibri" pitchFamily="34" charset="0"/>
               </a:rPr>
               <a:t>Cost-effective information sharing</a:t>
@@ -5083,7 +5148,7 @@
             <a:pPr marL="0" indent="0" eaLnBrk="1" hangingPunct="1">
               <a:buNone/>
             </a:pPr>
-            <a:endParaRPr lang="en-US" dirty="0">
+            <a:endParaRPr lang="en-US" dirty="0" smtClean="0">
               <a:latin typeface="Calibri" pitchFamily="34" charset="0"/>
             </a:endParaRPr>
           </a:p>
@@ -5152,6 +5217,13 @@
   <p:clrMapOvr>
     <a:masterClrMapping/>
   </p:clrMapOvr>
+  <p:timing>
+    <p:tnLst>
+      <p:par>
+        <p:cTn id="1" dur="indefinite" restart="never" nodeType="tmRoot"/>
+      </p:par>
+    </p:tnLst>
+  </p:timing>
 </p:sld>
 </file>
 
@@ -5188,9 +5260,10 @@
           <a:lstStyle/>
           <a:p>
             <a:r>
-              <a:rPr lang="en-AU" dirty="0"/>
+              <a:rPr lang="en-AU" dirty="0" smtClean="0"/>
               <a:t>FHIR</a:t>
             </a:r>
+            <a:endParaRPr lang="en-AU" dirty="0"/>
           </a:p>
         </p:txBody>
       </p:sp>
@@ -5212,23 +5285,23 @@
           <a:lstStyle/>
           <a:p>
             <a:r>
-              <a:rPr lang="en-AU" dirty="0"/>
+              <a:rPr lang="en-AU" dirty="0" smtClean="0"/>
               <a:t>FHIR : Fast Healthcare Interoperability Resources (Pronounced “Fire”)</a:t>
             </a:r>
           </a:p>
           <a:p>
-            <a:endParaRPr lang="en-AU" dirty="0"/>
-          </a:p>
-          <a:p>
-            <a:r>
-              <a:rPr lang="en-AU" dirty="0"/>
+            <a:endParaRPr lang="en-AU" dirty="0" smtClean="0"/>
+          </a:p>
+          <a:p>
+            <a:r>
+              <a:rPr lang="en-AU" dirty="0" smtClean="0"/>
               <a:t>The hottest thing interoperability this year</a:t>
             </a:r>
           </a:p>
           <a:p>
             <a:pPr lvl="1"/>
             <a:r>
-              <a:rPr lang="en-AU" dirty="0"/>
+              <a:rPr lang="en-AU" dirty="0" smtClean="0"/>
               <a:t>Insert other jokes here…</a:t>
             </a:r>
           </a:p>
@@ -5236,21 +5309,21 @@
             <a:pPr marL="0" indent="0">
               <a:buNone/>
             </a:pPr>
-            <a:endParaRPr lang="en-AU" dirty="0"/>
-          </a:p>
-          <a:p>
-            <a:r>
-              <a:rPr lang="en-AU" dirty="0"/>
+            <a:endParaRPr lang="en-AU" dirty="0" smtClean="0"/>
+          </a:p>
+          <a:p>
+            <a:r>
+              <a:rPr lang="en-AU" dirty="0" smtClean="0"/>
               <a:t>Based on industry best practices, with a focus on simplicity and </a:t>
             </a:r>
             <a:r>
-              <a:rPr lang="en-AU" dirty="0" err="1"/>
+              <a:rPr lang="en-AU" dirty="0" err="1" smtClean="0"/>
               <a:t>implementability</a:t>
             </a:r>
-            <a:endParaRPr lang="en-AU" dirty="0"/>
-          </a:p>
-          <a:p>
-            <a:endParaRPr lang="en-AU" dirty="0"/>
+            <a:endParaRPr lang="en-AU" dirty="0" smtClean="0"/>
+          </a:p>
+          <a:p>
+            <a:endParaRPr lang="en-AU" dirty="0" smtClean="0"/>
           </a:p>
         </p:txBody>
       </p:sp>
@@ -5335,7 +5408,7 @@
           <a:p>
             <a:pPr eaLnBrk="1" hangingPunct="1"/>
             <a:r>
-              <a:rPr lang="en-US" dirty="0">
+              <a:rPr lang="en-US" dirty="0" smtClean="0">
                 <a:latin typeface="Calibri" pitchFamily="34" charset="0"/>
               </a:rPr>
               <a:t> Healthcare Standards</a:t>
@@ -5368,7 +5441,7 @@
               <a:buChar char="§"/>
             </a:pPr>
             <a:r>
-              <a:rPr lang="en-US" sz="4800" dirty="0">
+              <a:rPr lang="en-US" sz="4800" dirty="0" smtClean="0">
                 <a:latin typeface="Calibri" pitchFamily="34" charset="0"/>
               </a:rPr>
               <a:t>Complex…. Slow…</a:t>
@@ -5380,7 +5453,7 @@
               <a:buChar char="§"/>
             </a:pPr>
             <a:r>
-              <a:rPr lang="en-US" sz="4800" dirty="0">
+              <a:rPr lang="en-US" sz="4800" dirty="0" smtClean="0">
                 <a:latin typeface="Calibri" pitchFamily="34" charset="0"/>
               </a:rPr>
               <a:t>Hard to use and understand</a:t>
@@ -5392,7 +5465,7 @@
               <a:buChar char="§"/>
             </a:pPr>
             <a:r>
-              <a:rPr lang="en-US" sz="4800" dirty="0">
+              <a:rPr lang="en-US" sz="4800" dirty="0" smtClean="0">
                 <a:latin typeface="Calibri" pitchFamily="34" charset="0"/>
               </a:rPr>
               <a:t>Require specialist skills, tools</a:t>
@@ -5404,7 +5477,7 @@
               <a:buChar char="§"/>
             </a:pPr>
             <a:r>
-              <a:rPr lang="en-US" sz="4800" dirty="0">
+              <a:rPr lang="en-US" sz="4800" dirty="0" smtClean="0">
                 <a:latin typeface="Calibri" pitchFamily="34" charset="0"/>
               </a:rPr>
               <a:t>Costly</a:t>
@@ -5414,7 +5487,7 @@
             <a:pPr marL="0" indent="0" eaLnBrk="1" hangingPunct="1">
               <a:buNone/>
             </a:pPr>
-            <a:endParaRPr lang="en-US" dirty="0">
+            <a:endParaRPr lang="en-US" dirty="0" smtClean="0">
               <a:latin typeface="Calibri" pitchFamily="34" charset="0"/>
             </a:endParaRPr>
           </a:p>
@@ -5483,6 +5556,13 @@
   <p:clrMapOvr>
     <a:masterClrMapping/>
   </p:clrMapOvr>
+  <p:timing>
+    <p:tnLst>
+      <p:par>
+        <p:cTn id="1" dur="indefinite" restart="never" nodeType="tmRoot"/>
+      </p:par>
+    </p:tnLst>
+  </p:timing>
 </p:sld>
 </file>
 
@@ -5525,7 +5605,7 @@
           <a:p>
             <a:pPr eaLnBrk="1" hangingPunct="1"/>
             <a:r>
-              <a:rPr lang="en-US" dirty="0">
+              <a:rPr lang="en-US" dirty="0" smtClean="0">
                 <a:latin typeface="Calibri" pitchFamily="34" charset="0"/>
               </a:rPr>
               <a:t>Healthcare Standards</a:t>
@@ -5558,7 +5638,7 @@
               <a:buChar char="§"/>
             </a:pPr>
             <a:r>
-              <a:rPr lang="en-US" sz="4800" dirty="0">
+              <a:rPr lang="en-US" sz="4800" dirty="0" smtClean="0">
                 <a:latin typeface="Calibri" pitchFamily="34" charset="0"/>
               </a:rPr>
               <a:t>Complex…. Slow…</a:t>
@@ -5582,7 +5662,7 @@
               <a:buChar char="§"/>
             </a:pPr>
             <a:r>
-              <a:rPr lang="en-US" sz="4800" dirty="0">
+              <a:rPr lang="en-US" sz="4800" dirty="0" smtClean="0">
                 <a:latin typeface="Calibri" pitchFamily="34" charset="0"/>
               </a:rPr>
               <a:t>Require specialist skills, tools</a:t>
@@ -5594,7 +5674,7 @@
               <a:buChar char="§"/>
             </a:pPr>
             <a:r>
-              <a:rPr lang="en-US" sz="4800" dirty="0">
+              <a:rPr lang="en-US" sz="4800" dirty="0" smtClean="0">
                 <a:latin typeface="Calibri" pitchFamily="34" charset="0"/>
               </a:rPr>
               <a:t>Costly</a:t>
@@ -5604,7 +5684,7 @@
             <a:pPr marL="0" indent="0" eaLnBrk="1" hangingPunct="1">
               <a:buNone/>
             </a:pPr>
-            <a:endParaRPr lang="en-US" dirty="0">
+            <a:endParaRPr lang="en-US" dirty="0" smtClean="0">
               <a:latin typeface="Calibri" pitchFamily="34" charset="0"/>
             </a:endParaRPr>
           </a:p>
@@ -5715,6 +5795,13 @@
   <p:clrMapOvr>
     <a:masterClrMapping/>
   </p:clrMapOvr>
+  <p:timing>
+    <p:tnLst>
+      <p:par>
+        <p:cTn id="1" dur="indefinite" restart="never" nodeType="tmRoot"/>
+      </p:par>
+    </p:tnLst>
+  </p:timing>
 </p:sld>
 </file>
 
@@ -5757,7 +5844,7 @@
           <a:p>
             <a:pPr eaLnBrk="1" hangingPunct="1"/>
             <a:r>
-              <a:rPr lang="en-US" dirty="0">
+              <a:rPr lang="en-US" dirty="0" smtClean="0">
                 <a:latin typeface="Calibri" pitchFamily="34" charset="0"/>
               </a:rPr>
               <a:t>REST &amp; Resources</a:t>
@@ -5786,30 +5873,30 @@
           <a:lstStyle/>
           <a:p>
             <a:r>
-              <a:rPr lang="en-AU" dirty="0"/>
+              <a:rPr lang="en-AU" dirty="0" smtClean="0"/>
               <a:t>REST: a pattern for using web technologies to manage information </a:t>
             </a:r>
           </a:p>
           <a:p>
             <a:r>
-              <a:rPr lang="en-AU" dirty="0"/>
+              <a:rPr lang="en-AU" dirty="0" smtClean="0"/>
               <a:t>Resources: the building blocks that get exchanged</a:t>
             </a:r>
           </a:p>
           <a:p>
             <a:r>
-              <a:rPr lang="en-AU" dirty="0"/>
+              <a:rPr lang="en-AU" dirty="0" smtClean="0"/>
               <a:t>Like web pages, but for computer usage</a:t>
             </a:r>
           </a:p>
           <a:p>
             <a:r>
-              <a:rPr lang="en-AU" dirty="0"/>
+              <a:rPr lang="en-AU" dirty="0" smtClean="0"/>
               <a:t>Scalable – performance, and community</a:t>
             </a:r>
           </a:p>
           <a:p>
-            <a:endParaRPr lang="en-AU" dirty="0"/>
+            <a:endParaRPr lang="en-AU" dirty="0" smtClean="0"/>
           </a:p>
           <a:p>
             <a:endParaRPr lang="en-AU" dirty="0"/>
@@ -5821,7 +5908,7 @@
             <a:pPr marL="0" indent="0" eaLnBrk="1" hangingPunct="1">
               <a:buNone/>
             </a:pPr>
-            <a:endParaRPr lang="en-US" dirty="0">
+            <a:endParaRPr lang="en-US" dirty="0" smtClean="0">
               <a:latin typeface="Calibri" pitchFamily="34" charset="0"/>
             </a:endParaRPr>
           </a:p>
@@ -5890,6 +5977,13 @@
   <p:clrMapOvr>
     <a:masterClrMapping/>
   </p:clrMapOvr>
+  <p:timing>
+    <p:tnLst>
+      <p:par>
+        <p:cTn id="1" dur="indefinite" restart="never" nodeType="tmRoot"/>
+      </p:par>
+    </p:tnLst>
+  </p:timing>
 </p:sld>
 </file>
 
@@ -6037,6 +6131,13 @@
   <p:clrMapOvr>
     <a:masterClrMapping/>
   </p:clrMapOvr>
+  <p:timing>
+    <p:tnLst>
+      <p:par>
+        <p:cTn id="1" dur="indefinite" restart="never" nodeType="tmRoot"/>
+      </p:par>
+    </p:tnLst>
+  </p:timing>
 </p:sld>
 </file>
 
@@ -6079,7 +6180,7 @@
           <a:p>
             <a:pPr eaLnBrk="1" hangingPunct="1"/>
             <a:r>
-              <a:rPr lang="en-US" dirty="0">
+              <a:rPr lang="en-US" dirty="0" smtClean="0">
                 <a:latin typeface="Calibri" pitchFamily="34" charset="0"/>
               </a:rPr>
               <a:t>Kinds of Resources</a:t>
@@ -6110,28 +6211,32 @@
           <a:lstStyle/>
           <a:p>
             <a:r>
+              <a:rPr lang="en-AU" dirty="0" smtClean="0"/>
+              <a:t>Clinical Concepts</a:t>
+            </a:r>
+          </a:p>
+          <a:p>
+            <a:pPr lvl="1"/>
+            <a:r>
+              <a:rPr lang="en-AU" dirty="0" smtClean="0"/>
+              <a:t>Allergy, Problem, Family History, Care Plan</a:t>
+            </a:r>
+          </a:p>
+          <a:p>
+            <a:pPr lvl="1"/>
+            <a:r>
+              <a:rPr lang="en-AU" dirty="0" smtClean="0"/>
+              <a:t>Medication Management </a:t>
+            </a:r>
+          </a:p>
+          <a:p>
+            <a:r>
+              <a:rPr lang="en-AU" dirty="0" smtClean="0"/>
+              <a:t>Administrative </a:t>
+            </a:r>
+            <a:r>
               <a:rPr lang="en-AU" dirty="0"/>
-              <a:t>Clinical Concepts</a:t>
-            </a:r>
-          </a:p>
-          <a:p>
-            <a:pPr lvl="1"/>
-            <a:r>
-              <a:rPr lang="en-AU" dirty="0"/>
-              <a:t>Allergy, Problem, Family History, Care Plan</a:t>
-            </a:r>
-          </a:p>
-          <a:p>
-            <a:pPr lvl="1"/>
-            <a:r>
-              <a:rPr lang="en-AU" dirty="0"/>
-              <a:t>Medication Management </a:t>
-            </a:r>
-          </a:p>
-          <a:p>
-            <a:r>
-              <a:rPr lang="en-AU" dirty="0"/>
-              <a:t>Administrative Concepts</a:t>
+              <a:t>Concepts</a:t>
             </a:r>
           </a:p>
           <a:p>
@@ -6146,8 +6251,13 @@
             </a:r>
             <a:r>
               <a:rPr lang="en-AU" dirty="0"/>
-              <a:t>, Device, Facility</a:t>
-            </a:r>
+              <a:t>, Device, </a:t>
+            </a:r>
+            <a:r>
+              <a:rPr lang="en-AU" dirty="0" smtClean="0"/>
+              <a:t>Facility</a:t>
+            </a:r>
+            <a:endParaRPr lang="en-AU" dirty="0"/>
           </a:p>
           <a:p>
             <a:r>
@@ -6159,22 +6269,26 @@
             <a:pPr lvl="1"/>
             <a:r>
               <a:rPr lang="en-AU" dirty="0"/>
-              <a:t>Document, Message, Conformance/Profiling</a:t>
-            </a:r>
-            <a:endParaRPr lang="en-US" dirty="0">
+              <a:t>Document, Message, </a:t>
+            </a:r>
+            <a:r>
+              <a:rPr lang="en-AU" dirty="0" smtClean="0"/>
+              <a:t>Conformance/Profiling</a:t>
+            </a:r>
+            <a:endParaRPr lang="en-US" dirty="0" smtClean="0">
               <a:latin typeface="Calibri" pitchFamily="34" charset="0"/>
             </a:endParaRPr>
           </a:p>
           <a:p>
             <a:r>
-              <a:rPr lang="en-AU" dirty="0"/>
+              <a:rPr lang="en-AU" dirty="0" smtClean="0"/>
               <a:t>Financial Management</a:t>
             </a:r>
           </a:p>
           <a:p>
             <a:pPr lvl="1"/>
             <a:r>
-              <a:rPr lang="en-AU" dirty="0"/>
+              <a:rPr lang="en-AU" dirty="0" smtClean="0"/>
               <a:t>Claims / Reimbursement, Contract</a:t>
             </a:r>
           </a:p>
@@ -6182,7 +6296,7 @@
             <a:pPr marL="0" indent="0" eaLnBrk="1" hangingPunct="1">
               <a:buNone/>
             </a:pPr>
-            <a:endParaRPr lang="en-US" dirty="0">
+            <a:endParaRPr lang="en-US" dirty="0" smtClean="0">
               <a:latin typeface="Calibri" pitchFamily="34" charset="0"/>
             </a:endParaRPr>
           </a:p>
@@ -6251,6 +6365,13 @@
   <p:clrMapOvr>
     <a:masterClrMapping/>
   </p:clrMapOvr>
+  <p:timing>
+    <p:tnLst>
+      <p:par>
+        <p:cTn id="1" dur="indefinite" restart="never" nodeType="tmRoot"/>
+      </p:par>
+    </p:tnLst>
+  </p:timing>
 </p:sld>
 </file>
 
@@ -6293,7 +6414,7 @@
           <a:p>
             <a:pPr eaLnBrk="1" hangingPunct="1"/>
             <a:r>
-              <a:rPr lang="en-US" dirty="0">
+              <a:rPr lang="en-US" dirty="0" smtClean="0">
                 <a:latin typeface="Calibri" pitchFamily="34" charset="0"/>
               </a:rPr>
               <a:t>Using Resources</a:t>
@@ -6323,15 +6444,23 @@
           <a:p>
             <a:r>
               <a:rPr lang="en-AU" dirty="0"/>
-              <a:t>Classic Web </a:t>
-            </a:r>
-            <a:r>
-              <a:rPr lang="en-AU" dirty="0" err="1"/>
+              <a:t>Classic </a:t>
+            </a:r>
+            <a:r>
+              <a:rPr lang="en-AU" dirty="0" smtClean="0"/>
+              <a:t>Web </a:t>
+            </a:r>
+            <a:r>
+              <a:rPr lang="en-AU" dirty="0" err="1" smtClean="0"/>
               <a:t>RESTful</a:t>
             </a:r>
             <a:r>
+              <a:rPr lang="en-AU" dirty="0" smtClean="0"/>
+              <a:t> </a:t>
+            </a:r>
+            <a:r>
               <a:rPr lang="en-AU" dirty="0"/>
-              <a:t> approach</a:t>
+              <a:t>approach</a:t>
             </a:r>
           </a:p>
           <a:p>
@@ -6343,44 +6472,55 @@
           </a:p>
           <a:p>
             <a:r>
+              <a:rPr lang="en-AU" dirty="0" smtClean="0"/>
+              <a:t>Documents / Messages </a:t>
+            </a:r>
+            <a:endParaRPr lang="en-AU" dirty="0"/>
+          </a:p>
+          <a:p>
+            <a:pPr lvl="1"/>
+            <a:r>
+              <a:rPr lang="en-AU" dirty="0" smtClean="0"/>
+              <a:t>Same deployment as HL7 v2 / CDA</a:t>
+            </a:r>
+          </a:p>
+          <a:p>
+            <a:pPr lvl="1"/>
+            <a:r>
+              <a:rPr lang="en-AU" dirty="0" smtClean="0"/>
+              <a:t>But common technical base</a:t>
+            </a:r>
+            <a:endParaRPr lang="en-AU" dirty="0"/>
+          </a:p>
+          <a:p>
+            <a:r>
+              <a:rPr lang="en-AU" dirty="0" smtClean="0"/>
+              <a:t>Services </a:t>
+            </a:r>
+            <a:r>
               <a:rPr lang="en-AU" dirty="0"/>
-              <a:t>Documents / Messages </a:t>
-            </a:r>
+              <a:t>(</a:t>
+            </a:r>
+            <a:r>
+              <a:rPr lang="en-AU" dirty="0" smtClean="0"/>
+              <a:t>SOA)</a:t>
+            </a:r>
+            <a:endParaRPr lang="en-AU" dirty="0"/>
           </a:p>
           <a:p>
             <a:pPr lvl="1"/>
             <a:r>
-              <a:rPr lang="en-AU" dirty="0"/>
-              <a:t>Same deployment as HL7 v2 / CDA</a:t>
-            </a:r>
-          </a:p>
-          <a:p>
-            <a:pPr lvl="1"/>
-            <a:r>
-              <a:rPr lang="en-AU" dirty="0"/>
-              <a:t>But common technical base</a:t>
-            </a:r>
-          </a:p>
-          <a:p>
-            <a:r>
-              <a:rPr lang="en-AU" dirty="0"/>
-              <a:t>Services (SOA)</a:t>
-            </a:r>
-          </a:p>
-          <a:p>
-            <a:pPr lvl="1"/>
-            <a:r>
-              <a:rPr lang="en-AU" dirty="0"/>
+              <a:rPr lang="en-AU" dirty="0" smtClean="0"/>
               <a:t>Fit into existing enterprise architectures</a:t>
             </a:r>
           </a:p>
           <a:p>
             <a:r>
-              <a:rPr lang="en-AU" dirty="0"/>
+              <a:rPr lang="en-AU" dirty="0" smtClean="0"/>
               <a:t>Portability </a:t>
             </a:r>
             <a:r>
-              <a:rPr lang="en-AU" sz="2800" dirty="0"/>
+              <a:rPr lang="en-AU" sz="2800" dirty="0" smtClean="0"/>
               <a:t>– common structures everywhere</a:t>
             </a:r>
             <a:endParaRPr lang="en-AU" dirty="0"/>
@@ -6389,7 +6529,7 @@
             <a:pPr marL="0" indent="0" eaLnBrk="1" hangingPunct="1">
               <a:buNone/>
             </a:pPr>
-            <a:endParaRPr lang="en-US" dirty="0">
+            <a:endParaRPr lang="en-US" dirty="0" smtClean="0">
               <a:latin typeface="Calibri" pitchFamily="34" charset="0"/>
             </a:endParaRPr>
           </a:p>
@@ -6458,6 +6598,13 @@
   <p:clrMapOvr>
     <a:masterClrMapping/>
   </p:clrMapOvr>
+  <p:timing>
+    <p:tnLst>
+      <p:par>
+        <p:cTn id="1" dur="indefinite" restart="never" nodeType="tmRoot"/>
+      </p:par>
+    </p:tnLst>
+  </p:timing>
 </p:sld>
 </file>
 
@@ -6500,7 +6647,7 @@
           <a:p>
             <a:pPr eaLnBrk="1" hangingPunct="1"/>
             <a:r>
-              <a:rPr lang="en-US" dirty="0">
+              <a:rPr lang="en-US" dirty="0" smtClean="0">
                 <a:latin typeface="Calibri" pitchFamily="34" charset="0"/>
               </a:rPr>
               <a:t>Extensions</a:t>
@@ -6529,7 +6676,7 @@
           <a:lstStyle/>
           <a:p>
             <a:r>
-              <a:rPr lang="en-US" dirty="0">
+              <a:rPr lang="en-US" dirty="0" smtClean="0">
                 <a:latin typeface="Calibri" pitchFamily="34" charset="0"/>
               </a:rPr>
               <a:t>Managing extensibility is a central problem</a:t>
@@ -6537,7 +6684,7 @@
           </a:p>
           <a:p>
             <a:r>
-              <a:rPr lang="en-US" dirty="0">
+              <a:rPr lang="en-US" dirty="0" smtClean="0">
                 <a:latin typeface="Calibri" pitchFamily="34" charset="0"/>
               </a:rPr>
               <a:t>Everyone needs extensions, everyone hates them</a:t>
@@ -6545,7 +6692,7 @@
           </a:p>
           <a:p>
             <a:r>
-              <a:rPr lang="en-US" dirty="0">
+              <a:rPr lang="en-US" dirty="0" smtClean="0">
                 <a:latin typeface="Calibri" pitchFamily="34" charset="0"/>
               </a:rPr>
               <a:t>FHIR tames extensibility</a:t>
@@ -6554,7 +6701,7 @@
           <a:p>
             <a:pPr lvl="1"/>
             <a:r>
-              <a:rPr lang="en-US" dirty="0">
+              <a:rPr lang="en-US" dirty="0" smtClean="0">
                 <a:latin typeface="Calibri" pitchFamily="34" charset="0"/>
               </a:rPr>
               <a:t>Built in extensibility framework (engineering level)</a:t>
@@ -6563,7 +6710,7 @@
           <a:p>
             <a:pPr lvl="1"/>
             <a:r>
-              <a:rPr lang="en-US" dirty="0">
+              <a:rPr lang="en-US" dirty="0" smtClean="0">
                 <a:latin typeface="Calibri" pitchFamily="34" charset="0"/>
               </a:rPr>
               <a:t>Define, publish, find extensions</a:t>
@@ -6572,7 +6719,7 @@
           <a:p>
             <a:pPr lvl="1"/>
             <a:r>
-              <a:rPr lang="en-US" dirty="0">
+              <a:rPr lang="en-US" dirty="0" smtClean="0">
                 <a:latin typeface="Calibri" pitchFamily="34" charset="0"/>
               </a:rPr>
               <a:t>Use them</a:t>
@@ -6580,7 +6727,7 @@
           </a:p>
           <a:p>
             <a:r>
-              <a:rPr lang="en-US" dirty="0">
+              <a:rPr lang="en-US" dirty="0" smtClean="0">
                 <a:latin typeface="Calibri" pitchFamily="34" charset="0"/>
               </a:rPr>
               <a:t>This tames the overall specification</a:t>
@@ -6651,6 +6798,13 @@
   <p:clrMapOvr>
     <a:masterClrMapping/>
   </p:clrMapOvr>
+  <p:timing>
+    <p:tnLst>
+      <p:par>
+        <p:cTn id="1" dur="indefinite" restart="never" nodeType="tmRoot"/>
+      </p:par>
+    </p:tnLst>
+  </p:timing>
 </p:sld>
 </file>
 
